--- a/week12/Lab12.pptx
+++ b/week12/Lab12.pptx
@@ -221,7 +221,7 @@
           <a:p>
             <a:fld id="{D1237EF7-A117-46B7-88A8-1B7FB98FF0F2}" type="datetimeFigureOut">
               <a:rPr lang="zh-CN" altLang="en-US" smtClean="0"/>
-              <a:t>2025/4/29</a:t>
+              <a:t>2025/4/30</a:t>
             </a:fld>
             <a:endParaRPr lang="zh-CN" altLang="en-US"/>
           </a:p>
@@ -1108,7 +1108,7 @@
           <a:p>
             <a:fld id="{FC19A4FA-3D9A-4114-B0D5-759CBD56F1AB}" type="datetimeFigureOut">
               <a:rPr lang="zh-CN" altLang="en-US" smtClean="0"/>
-              <a:t>2025/4/29</a:t>
+              <a:t>2025/4/30</a:t>
             </a:fld>
             <a:endParaRPr lang="zh-CN" altLang="en-US"/>
           </a:p>
@@ -1303,7 +1303,7 @@
           <a:p>
             <a:fld id="{FC19A4FA-3D9A-4114-B0D5-759CBD56F1AB}" type="datetimeFigureOut">
               <a:rPr lang="zh-CN" altLang="en-US" smtClean="0"/>
-              <a:t>2025/4/29</a:t>
+              <a:t>2025/4/30</a:t>
             </a:fld>
             <a:endParaRPr lang="zh-CN" altLang="en-US"/>
           </a:p>
@@ -1477,7 +1477,7 @@
           <a:p>
             <a:fld id="{FC19A4FA-3D9A-4114-B0D5-759CBD56F1AB}" type="datetimeFigureOut">
               <a:rPr lang="zh-CN" altLang="en-US" smtClean="0"/>
-              <a:t>2025/4/29</a:t>
+              <a:t>2025/4/30</a:t>
             </a:fld>
             <a:endParaRPr lang="zh-CN" altLang="en-US"/>
           </a:p>
@@ -1662,7 +1662,7 @@
           <a:p>
             <a:fld id="{FC19A4FA-3D9A-4114-B0D5-759CBD56F1AB}" type="datetimeFigureOut">
               <a:rPr lang="zh-CN" altLang="en-US" smtClean="0"/>
-              <a:t>2025/4/29</a:t>
+              <a:t>2025/4/30</a:t>
             </a:fld>
             <a:endParaRPr lang="zh-CN" altLang="en-US"/>
           </a:p>
@@ -1920,7 +1920,7 @@
           <a:p>
             <a:fld id="{FC19A4FA-3D9A-4114-B0D5-759CBD56F1AB}" type="datetimeFigureOut">
               <a:rPr lang="zh-CN" altLang="en-US" smtClean="0"/>
-              <a:t>2025/4/29</a:t>
+              <a:t>2025/4/30</a:t>
             </a:fld>
             <a:endParaRPr lang="zh-CN" altLang="en-US"/>
           </a:p>
@@ -2308,7 +2308,7 @@
           <a:p>
             <a:fld id="{FC19A4FA-3D9A-4114-B0D5-759CBD56F1AB}" type="datetimeFigureOut">
               <a:rPr lang="zh-CN" altLang="en-US" smtClean="0"/>
-              <a:t>2025/4/29</a:t>
+              <a:t>2025/4/30</a:t>
             </a:fld>
             <a:endParaRPr lang="zh-CN" altLang="en-US"/>
           </a:p>
@@ -2577,7 +2577,7 @@
           <a:p>
             <a:fld id="{FC19A4FA-3D9A-4114-B0D5-759CBD56F1AB}" type="datetimeFigureOut">
               <a:rPr lang="zh-CN" altLang="en-US" smtClean="0"/>
-              <a:t>2025/4/29</a:t>
+              <a:t>2025/4/30</a:t>
             </a:fld>
             <a:endParaRPr lang="zh-CN" altLang="en-US"/>
           </a:p>
@@ -2718,7 +2718,7 @@
           <a:p>
             <a:fld id="{FC19A4FA-3D9A-4114-B0D5-759CBD56F1AB}" type="datetimeFigureOut">
               <a:rPr lang="zh-CN" altLang="en-US" smtClean="0"/>
-              <a:t>2025/4/29</a:t>
+              <a:t>2025/4/30</a:t>
             </a:fld>
             <a:endParaRPr lang="zh-CN" altLang="en-US"/>
           </a:p>
@@ -2809,7 +2809,7 @@
           <a:p>
             <a:fld id="{FC19A4FA-3D9A-4114-B0D5-759CBD56F1AB}" type="datetimeFigureOut">
               <a:rPr lang="zh-CN" altLang="en-US" smtClean="0"/>
-              <a:t>2025/4/29</a:t>
+              <a:t>2025/4/30</a:t>
             </a:fld>
             <a:endParaRPr lang="zh-CN" altLang="en-US"/>
           </a:p>
@@ -3080,7 +3080,7 @@
           <a:p>
             <a:fld id="{FC19A4FA-3D9A-4114-B0D5-759CBD56F1AB}" type="datetimeFigureOut">
               <a:rPr lang="zh-CN" altLang="en-US" smtClean="0"/>
-              <a:t>2025/4/29</a:t>
+              <a:t>2025/4/30</a:t>
             </a:fld>
             <a:endParaRPr lang="zh-CN" altLang="en-US"/>
           </a:p>
@@ -3328,7 +3328,7 @@
           <a:p>
             <a:fld id="{FC19A4FA-3D9A-4114-B0D5-759CBD56F1AB}" type="datetimeFigureOut">
               <a:rPr lang="zh-CN" altLang="en-US" smtClean="0"/>
-              <a:t>2025/4/29</a:t>
+              <a:t>2025/4/30</a:t>
             </a:fld>
             <a:endParaRPr lang="zh-CN" altLang="en-US"/>
           </a:p>
@@ -3535,7 +3535,7 @@
           <a:p>
             <a:fld id="{FC19A4FA-3D9A-4114-B0D5-759CBD56F1AB}" type="datetimeFigureOut">
               <a:rPr lang="zh-CN" altLang="en-US" smtClean="0"/>
-              <a:t>2025/4/29</a:t>
+              <a:t>2025/4/30</a:t>
             </a:fld>
             <a:endParaRPr lang="zh-CN" altLang="en-US"/>
           </a:p>
@@ -28472,7 +28472,19 @@
             </a:r>
             <a:r>
               <a:rPr kumimoji="1" lang="en-US" altLang="zh-CN" dirty="0"/>
-              <a:t>Write a simple “Hello world” program, compile and run it. </a:t>
+              <a:t>Write a simple Rust</a:t>
+            </a:r>
+            <a:r>
+              <a:rPr kumimoji="1" lang="zh-CN" altLang="en-US"/>
+              <a:t> </a:t>
+            </a:r>
+            <a:r>
+              <a:rPr kumimoji="1" lang="en-US" altLang="zh-CN"/>
+              <a:t>“</a:t>
+            </a:r>
+            <a:r>
+              <a:rPr kumimoji="1" lang="en-US" altLang="zh-CN" dirty="0"/>
+              <a:t>Hello world” program, compile and run it. </a:t>
             </a:r>
             <a:endParaRPr kumimoji="1" lang="zh-CN" altLang="en-US" dirty="0"/>
           </a:p>
